--- a/report/实验5/算法实验05.pptx
+++ b/report/实验5/算法实验05.pptx
@@ -5,17 +5,19 @@
     <p:sldMasterId id="2147483648" r:id="rId1"/>
   </p:sldMasterIdLst>
   <p:notesMasterIdLst>
-    <p:notesMasterId r:id="rId10"/>
+    <p:notesMasterId r:id="rId12"/>
   </p:notesMasterIdLst>
   <p:sldIdLst>
     <p:sldId id="256" r:id="rId2"/>
     <p:sldId id="262" r:id="rId3"/>
     <p:sldId id="275" r:id="rId4"/>
     <p:sldId id="276" r:id="rId5"/>
-    <p:sldId id="269" r:id="rId6"/>
-    <p:sldId id="272" r:id="rId7"/>
-    <p:sldId id="273" r:id="rId8"/>
-    <p:sldId id="274" r:id="rId9"/>
+    <p:sldId id="277" r:id="rId6"/>
+    <p:sldId id="281" r:id="rId7"/>
+    <p:sldId id="278" r:id="rId8"/>
+    <p:sldId id="282" r:id="rId9"/>
+    <p:sldId id="280" r:id="rId10"/>
+    <p:sldId id="274" r:id="rId11"/>
   </p:sldIdLst>
   <p:sldSz cx="12192000" cy="6858000"/>
   <p:notesSz cx="6858000" cy="9144000"/>
@@ -469,90 +471,6 @@
     </a:lvl9pPr>
   </p:notesStyle>
 </p:notesMaster>
-</file>
-
-<file path=ppt/notesSlides/notesSlide1.xml><?xml version="1.0" encoding="utf-8"?>
-<p:notes xmlns:a="http://schemas.openxmlformats.org/drawingml/2006/main" xmlns:r="http://schemas.openxmlformats.org/officeDocument/2006/relationships" xmlns:p="http://schemas.openxmlformats.org/presentationml/2006/main">
-  <p:cSld>
-    <p:spTree>
-      <p:nvGrpSpPr>
-        <p:cNvPr id="1" name=""/>
-        <p:cNvGrpSpPr/>
-        <p:nvPr/>
-      </p:nvGrpSpPr>
-      <p:grpSpPr>
-        <a:xfrm>
-          <a:off x="0" y="0"/>
-          <a:ext cx="0" cy="0"/>
-          <a:chOff x="0" y="0"/>
-          <a:chExt cx="0" cy="0"/>
-        </a:xfrm>
-      </p:grpSpPr>
-      <p:sp>
-        <p:nvSpPr>
-          <p:cNvPr id="2" name="幻灯片图像占位符 1"/>
-          <p:cNvSpPr>
-            <a:spLocks noGrp="1" noRot="1" noChangeAspect="1"/>
-          </p:cNvSpPr>
-          <p:nvPr>
-            <p:ph type="sldImg"/>
-          </p:nvPr>
-        </p:nvSpPr>
-        <p:spPr/>
-      </p:sp>
-      <p:sp>
-        <p:nvSpPr>
-          <p:cNvPr id="3" name="备注占位符 2"/>
-          <p:cNvSpPr>
-            <a:spLocks noGrp="1"/>
-          </p:cNvSpPr>
-          <p:nvPr>
-            <p:ph type="body" idx="1"/>
-          </p:nvPr>
-        </p:nvSpPr>
-        <p:spPr/>
-        <p:txBody>
-          <a:bodyPr/>
-          <a:lstStyle/>
-          <a:p>
-            <a:endParaRPr lang="zh-CN" altLang="en-US" dirty="0"/>
-          </a:p>
-        </p:txBody>
-      </p:sp>
-      <p:sp>
-        <p:nvSpPr>
-          <p:cNvPr id="4" name="灯片编号占位符 3"/>
-          <p:cNvSpPr>
-            <a:spLocks noGrp="1"/>
-          </p:cNvSpPr>
-          <p:nvPr>
-            <p:ph type="sldNum" sz="quarter" idx="5"/>
-          </p:nvPr>
-        </p:nvSpPr>
-        <p:spPr/>
-        <p:txBody>
-          <a:bodyPr/>
-          <a:lstStyle/>
-          <a:p>
-            <a:fld id="{C38366D0-EDF7-4CCD-AFFF-6F9B6D9F6439}" type="slidenum">
-              <a:rPr lang="zh-CN" altLang="en-US" smtClean="0"/>
-              <a:t>6</a:t>
-            </a:fld>
-            <a:endParaRPr lang="zh-CN" altLang="en-US"/>
-          </a:p>
-        </p:txBody>
-      </p:sp>
-    </p:spTree>
-    <p:extLst>
-      <p:ext uri="{BB962C8B-B14F-4D97-AF65-F5344CB8AC3E}">
-        <p14:creationId xmlns:p14="http://schemas.microsoft.com/office/powerpoint/2010/main" val="264940658"/>
-      </p:ext>
-    </p:extLst>
-  </p:cSld>
-  <p:clrMapOvr>
-    <a:masterClrMapping/>
-  </p:clrMapOvr>
-</p:notes>
 </file>
 
 <file path=ppt/slideLayouts/slideLayout1.xml><?xml version="1.0" encoding="utf-8"?>
@@ -3869,6 +3787,116 @@
 </p:sld>
 </file>
 
+<file path=ppt/slides/slide10.xml><?xml version="1.0" encoding="utf-8"?>
+<p:sld xmlns:a="http://schemas.openxmlformats.org/drawingml/2006/main" xmlns:r="http://schemas.openxmlformats.org/officeDocument/2006/relationships" xmlns:p="http://schemas.openxmlformats.org/presentationml/2006/main">
+  <p:cSld>
+    <p:spTree>
+      <p:nvGrpSpPr>
+        <p:cNvPr id="1" name=""/>
+        <p:cNvGrpSpPr/>
+        <p:nvPr/>
+      </p:nvGrpSpPr>
+      <p:grpSpPr>
+        <a:xfrm>
+          <a:off x="0" y="0"/>
+          <a:ext cx="0" cy="0"/>
+          <a:chOff x="0" y="0"/>
+          <a:chExt cx="0" cy="0"/>
+        </a:xfrm>
+      </p:grpSpPr>
+      <p:sp>
+        <p:nvSpPr>
+          <p:cNvPr id="2" name="标题 1">
+            <a:extLst>
+              <a:ext uri="{FF2B5EF4-FFF2-40B4-BE49-F238E27FC236}">
+                <a16:creationId xmlns:a16="http://schemas.microsoft.com/office/drawing/2014/main" id="{5637EFB4-A24A-4AD5-8CA5-28F4880496F8}"/>
+              </a:ext>
+            </a:extLst>
+          </p:cNvPr>
+          <p:cNvSpPr>
+            <a:spLocks noGrp="1"/>
+          </p:cNvSpPr>
+          <p:nvPr>
+            <p:ph type="title"/>
+          </p:nvPr>
+        </p:nvSpPr>
+        <p:spPr>
+          <a:xfrm>
+            <a:off x="838200" y="365125"/>
+            <a:ext cx="10515600" cy="701675"/>
+          </a:xfrm>
+        </p:spPr>
+        <p:txBody>
+          <a:bodyPr/>
+          <a:lstStyle/>
+          <a:p>
+            <a:endParaRPr lang="zh-CN" altLang="en-US" dirty="0"/>
+          </a:p>
+        </p:txBody>
+      </p:sp>
+      <p:sp>
+        <p:nvSpPr>
+          <p:cNvPr id="3" name="内容占位符 2">
+            <a:extLst>
+              <a:ext uri="{FF2B5EF4-FFF2-40B4-BE49-F238E27FC236}">
+                <a16:creationId xmlns:a16="http://schemas.microsoft.com/office/drawing/2014/main" id="{D79AF6AD-D55F-434D-A1F6-90BC7DCB2C84}"/>
+              </a:ext>
+            </a:extLst>
+          </p:cNvPr>
+          <p:cNvSpPr>
+            <a:spLocks noGrp="1"/>
+          </p:cNvSpPr>
+          <p:nvPr>
+            <p:ph idx="1"/>
+          </p:nvPr>
+        </p:nvSpPr>
+        <p:spPr>
+          <a:xfrm>
+            <a:off x="838200" y="365125"/>
+            <a:ext cx="10515600" cy="5811838"/>
+          </a:xfrm>
+        </p:spPr>
+        <p:txBody>
+          <a:bodyPr>
+            <a:normAutofit/>
+          </a:bodyPr>
+          <a:lstStyle/>
+          <a:p>
+            <a:pPr marL="0" indent="0" algn="ctr">
+              <a:buNone/>
+            </a:pPr>
+            <a:endParaRPr lang="en-US" altLang="zh-CN" sz="8000" dirty="0"/>
+          </a:p>
+          <a:p>
+            <a:pPr marL="0" indent="0" algn="ctr">
+              <a:buNone/>
+            </a:pPr>
+            <a:endParaRPr lang="en-US" altLang="zh-CN" sz="8000" dirty="0"/>
+          </a:p>
+          <a:p>
+            <a:pPr marL="0" indent="0" algn="ctr">
+              <a:buNone/>
+            </a:pPr>
+            <a:r>
+              <a:rPr lang="zh-CN" altLang="en-US" sz="8000" dirty="0"/>
+              <a:t>谢谢观看</a:t>
+            </a:r>
+          </a:p>
+        </p:txBody>
+      </p:sp>
+    </p:spTree>
+    <p:extLst>
+      <p:ext uri="{BB962C8B-B14F-4D97-AF65-F5344CB8AC3E}">
+        <p14:creationId xmlns:p14="http://schemas.microsoft.com/office/powerpoint/2010/main" val="2941550997"/>
+      </p:ext>
+    </p:extLst>
+  </p:cSld>
+  <p:clrMapOvr>
+    <a:masterClrMapping/>
+  </p:clrMapOvr>
+</p:sld>
+</file>
+
 <file path=ppt/slides/slide2.xml><?xml version="1.0" encoding="utf-8"?>
 <p:sld xmlns:a="http://schemas.openxmlformats.org/drawingml/2006/main" xmlns:r="http://schemas.openxmlformats.org/officeDocument/2006/relationships" xmlns:p="http://schemas.openxmlformats.org/presentationml/2006/main">
   <p:cSld>
@@ -4480,7 +4508,18 @@
             <a:endParaRPr lang="en-US" altLang="zh-CN" sz="1600" dirty="0"/>
           </a:p>
           <a:p>
-            <a:endParaRPr lang="zh-CN" altLang="en-US" sz="1600" dirty="0"/>
+            <a:r>
+              <a:rPr lang="zh-CN" altLang="en-US" sz="1600" dirty="0"/>
+              <a:t>由最小生成树的性质，不在树上的边一定会和其他边组成环</a:t>
+            </a:r>
+            <a:endParaRPr lang="en-US" altLang="zh-CN" sz="1600" dirty="0"/>
+          </a:p>
+          <a:p>
+            <a:r>
+              <a:rPr lang="zh-CN" altLang="en-US" sz="1600" dirty="0"/>
+              <a:t>因此只需要检查不在树上的边并标记所有环边，树上所有没有被标记的边都是桥</a:t>
+            </a:r>
+            <a:endParaRPr lang="en-US" altLang="zh-CN" sz="1600" dirty="0"/>
           </a:p>
         </p:txBody>
       </p:sp>
@@ -4519,7 +4558,7 @@
           <p:cNvPr id="2" name="标题 1">
             <a:extLst>
               <a:ext uri="{FF2B5EF4-FFF2-40B4-BE49-F238E27FC236}">
-                <a16:creationId xmlns:a16="http://schemas.microsoft.com/office/drawing/2014/main" id="{07AB8665-A181-E2EF-604D-B386AE238EC4}"/>
+                <a16:creationId xmlns:a16="http://schemas.microsoft.com/office/drawing/2014/main" id="{4DB7D08D-BE8E-4A56-85CE-F80885DDCD6F}"/>
               </a:ext>
             </a:extLst>
           </p:cNvPr>
@@ -4528,474 +4567,133 @@
           </p:cNvSpPr>
           <p:nvPr>
             <p:ph type="title"/>
+          </p:nvPr>
+        </p:nvSpPr>
+        <p:spPr>
+          <a:xfrm flipV="1">
+            <a:off x="838200" y="292964"/>
+            <a:ext cx="10515600" cy="72162"/>
+          </a:xfrm>
+        </p:spPr>
+        <p:txBody>
+          <a:bodyPr>
+            <a:normAutofit fontScale="90000"/>
+          </a:bodyPr>
+          <a:lstStyle/>
+          <a:p>
+            <a:endParaRPr lang="zh-CN" altLang="en-US" dirty="0"/>
+          </a:p>
+        </p:txBody>
+      </p:sp>
+      <p:sp>
+        <p:nvSpPr>
+          <p:cNvPr id="3" name="内容占位符 2">
+            <a:extLst>
+              <a:ext uri="{FF2B5EF4-FFF2-40B4-BE49-F238E27FC236}">
+                <a16:creationId xmlns:a16="http://schemas.microsoft.com/office/drawing/2014/main" id="{77DF6E2D-E0E4-4F9F-AC60-14ADD22C0969}"/>
+              </a:ext>
+            </a:extLst>
+          </p:cNvPr>
+          <p:cNvSpPr>
+            <a:spLocks noGrp="1"/>
+          </p:cNvSpPr>
+          <p:nvPr>
+            <p:ph idx="1"/>
           </p:nvPr>
         </p:nvSpPr>
         <p:spPr>
           <a:xfrm>
-            <a:off x="838200" y="365125"/>
-            <a:ext cx="10515600" cy="756665"/>
+            <a:off x="838200" y="639192"/>
+            <a:ext cx="10515600" cy="5537771"/>
           </a:xfrm>
         </p:spPr>
         <p:txBody>
-          <a:bodyPr>
-            <a:normAutofit/>
-          </a:bodyPr>
-          <a:lstStyle/>
-          <a:p>
-            <a:r>
-              <a:rPr lang="zh-CN" altLang="en-US" sz="2000" b="1" dirty="0"/>
-              <a:t>伪代码</a:t>
-            </a:r>
-          </a:p>
-        </p:txBody>
-      </p:sp>
-      <p:sp>
-        <p:nvSpPr>
-          <p:cNvPr id="5" name="内容占位符 4">
-            <a:extLst>
-              <a:ext uri="{FF2B5EF4-FFF2-40B4-BE49-F238E27FC236}">
-                <a16:creationId xmlns:a16="http://schemas.microsoft.com/office/drawing/2014/main" id="{BB3FFAED-CB83-5065-4401-F37EC37CDAF7}"/>
-              </a:ext>
-            </a:extLst>
-          </p:cNvPr>
-          <p:cNvSpPr>
-            <a:spLocks noGrp="1"/>
-          </p:cNvSpPr>
-          <p:nvPr>
-            <p:ph idx="1"/>
-          </p:nvPr>
-        </p:nvSpPr>
+          <a:bodyPr/>
+          <a:lstStyle/>
+          <a:p>
+            <a:r>
+              <a:rPr lang="zh-CN" altLang="en-US" dirty="0"/>
+              <a:t>生成树</a:t>
+            </a:r>
+          </a:p>
+        </p:txBody>
+      </p:sp>
+      <p:pic>
+        <p:nvPicPr>
+          <p:cNvPr id="7" name="图片 6">
+            <a:extLst>
+              <a:ext uri="{FF2B5EF4-FFF2-40B4-BE49-F238E27FC236}">
+                <a16:creationId xmlns:a16="http://schemas.microsoft.com/office/drawing/2014/main" id="{EA1D8D69-1DDC-4DFC-B294-20293CE48D18}"/>
+              </a:ext>
+            </a:extLst>
+          </p:cNvPr>
+          <p:cNvPicPr>
+            <a:picLocks noChangeAspect="1"/>
+          </p:cNvPicPr>
+          <p:nvPr/>
+        </p:nvPicPr>
+        <p:blipFill>
+          <a:blip r:embed="rId2">
+            <a:extLst>
+              <a:ext uri="{28A0092B-C50C-407E-A947-70E740481C1C}">
+                <a14:useLocalDpi xmlns:a14="http://schemas.microsoft.com/office/drawing/2010/main" val="0"/>
+              </a:ext>
+            </a:extLst>
+          </a:blip>
+          <a:stretch>
+            <a:fillRect/>
+          </a:stretch>
+        </p:blipFill>
         <p:spPr>
           <a:xfrm>
-            <a:off x="838200" y="1206631"/>
-            <a:ext cx="10515600" cy="4970332"/>
+            <a:off x="838200" y="1657379"/>
+            <a:ext cx="4191646" cy="4907657"/>
           </a:xfrm>
+          <a:prstGeom prst="rect">
+            <a:avLst/>
+          </a:prstGeom>
         </p:spPr>
-        <p:txBody>
-          <a:bodyPr>
-            <a:normAutofit fontScale="70000" lnSpcReduction="20000"/>
-          </a:bodyPr>
-          <a:lstStyle/>
-          <a:p>
-            <a:r>
-              <a:rPr lang="en-US" altLang="zh-CN" sz="1800" dirty="0"/>
-              <a:t>Return </a:t>
-            </a:r>
-            <a:r>
-              <a:rPr lang="en-US" altLang="zh-CN" sz="1800" dirty="0" err="1"/>
-              <a:t>arr</a:t>
-            </a:r>
-            <a:r>
-              <a:rPr lang="en-US" altLang="zh-CN" sz="1800" dirty="0"/>
-              <a:t>[0][arr.length-1];</a:t>
-            </a:r>
-          </a:p>
-          <a:p>
-            <a:endParaRPr lang="en-US" altLang="zh-CN" sz="1800" dirty="0"/>
-          </a:p>
-          <a:p>
-            <a:r>
-              <a:rPr lang="en-US" altLang="zh-CN" sz="1800" dirty="0" err="1"/>
-              <a:t>dp</a:t>
-            </a:r>
-            <a:r>
-              <a:rPr lang="en-US" altLang="zh-CN" sz="1800" dirty="0"/>
-              <a:t>(coins[],</a:t>
-            </a:r>
-            <a:r>
-              <a:rPr lang="en-US" altLang="zh-CN" sz="1800" dirty="0" err="1"/>
-              <a:t>arr</a:t>
-            </a:r>
-            <a:r>
-              <a:rPr lang="en-US" altLang="zh-CN" sz="1800" dirty="0"/>
-              <a:t>[][],all[][]):</a:t>
-            </a:r>
-          </a:p>
-          <a:p>
-            <a:r>
-              <a:rPr lang="en-US" altLang="zh-CN" sz="1800" dirty="0"/>
-              <a:t>    if(length % 2 == 0):</a:t>
-            </a:r>
-          </a:p>
-          <a:p>
-            <a:r>
-              <a:rPr lang="en-US" altLang="zh-CN" sz="1800" dirty="0"/>
-              <a:t>        for each I : </a:t>
-            </a:r>
-            <a:r>
-              <a:rPr lang="en-US" altLang="zh-CN" sz="1800" dirty="0" err="1"/>
-              <a:t>arr</a:t>
-            </a:r>
-            <a:r>
-              <a:rPr lang="en-US" altLang="zh-CN" sz="1800" dirty="0"/>
-              <a:t>[</a:t>
-            </a:r>
-            <a:r>
-              <a:rPr lang="en-US" altLang="zh-CN" sz="1800" dirty="0" err="1"/>
-              <a:t>i</a:t>
-            </a:r>
-            <a:r>
-              <a:rPr lang="en-US" altLang="zh-CN" sz="1800" dirty="0"/>
-              <a:t>][</a:t>
-            </a:r>
-            <a:r>
-              <a:rPr lang="en-US" altLang="zh-CN" sz="1800" dirty="0" err="1"/>
-              <a:t>i</a:t>
-            </a:r>
-            <a:r>
-              <a:rPr lang="en-US" altLang="zh-CN" sz="1800" dirty="0"/>
-              <a:t>] = coins[</a:t>
-            </a:r>
-            <a:r>
-              <a:rPr lang="en-US" altLang="zh-CN" sz="1800" dirty="0" err="1"/>
-              <a:t>i</a:t>
-            </a:r>
-            <a:r>
-              <a:rPr lang="en-US" altLang="zh-CN" sz="1800" dirty="0"/>
-              <a:t>];//</a:t>
-            </a:r>
-            <a:r>
-              <a:rPr lang="zh-CN" altLang="en-US" sz="1800" dirty="0"/>
-              <a:t>预处理</a:t>
-            </a:r>
-            <a:endParaRPr lang="en-US" altLang="zh-CN" sz="1800" dirty="0"/>
-          </a:p>
-          <a:p>
-            <a:r>
-              <a:rPr lang="en-US" altLang="zh-CN" sz="1800" dirty="0"/>
-              <a:t>    int step = 1;//</a:t>
-            </a:r>
-            <a:r>
-              <a:rPr lang="zh-CN" altLang="en-US" sz="1800" dirty="0"/>
-              <a:t>罐子间隔</a:t>
-            </a:r>
-            <a:endParaRPr lang="en-US" altLang="zh-CN" sz="1800" dirty="0"/>
-          </a:p>
-          <a:p>
-            <a:r>
-              <a:rPr lang="en-US" altLang="zh-CN" sz="1800" dirty="0"/>
-              <a:t>    while(step&lt;length):</a:t>
-            </a:r>
-          </a:p>
-          <a:p>
-            <a:r>
-              <a:rPr lang="en-US" altLang="zh-CN" sz="1800" dirty="0"/>
-              <a:t>        for I = 0 to </a:t>
-            </a:r>
-            <a:r>
-              <a:rPr lang="en-US" altLang="zh-CN" sz="1800" dirty="0" err="1"/>
-              <a:t>i+step</a:t>
-            </a:r>
-            <a:r>
-              <a:rPr lang="en-US" altLang="zh-CN" sz="1800" dirty="0"/>
-              <a:t>&lt;length:</a:t>
-            </a:r>
-          </a:p>
-          <a:p>
-            <a:r>
-              <a:rPr lang="en-US" altLang="zh-CN" sz="1800" dirty="0"/>
-              <a:t>            j = </a:t>
-            </a:r>
-            <a:r>
-              <a:rPr lang="en-US" altLang="zh-CN" sz="1800" dirty="0" err="1"/>
-              <a:t>i+step</a:t>
-            </a:r>
-            <a:r>
-              <a:rPr lang="en-US" altLang="zh-CN" sz="1800" dirty="0"/>
-              <a:t>;</a:t>
-            </a:r>
-          </a:p>
-          <a:p>
-            <a:r>
-              <a:rPr lang="en-US" altLang="zh-CN" sz="1800" dirty="0"/>
-              <a:t>            if((length – step) % 2 == 0): //</a:t>
-            </a:r>
-            <a:r>
-              <a:rPr lang="zh-CN" altLang="en-US" sz="1800" dirty="0"/>
-              <a:t>判别谁在走</a:t>
-            </a:r>
-            <a:endParaRPr lang="en-US" altLang="zh-CN" sz="1800" dirty="0"/>
-          </a:p>
-          <a:p>
-            <a:r>
-              <a:rPr lang="en-US" altLang="zh-CN" sz="1800" dirty="0"/>
-              <a:t>                if(mud[</a:t>
-            </a:r>
-            <a:r>
-              <a:rPr lang="en-US" altLang="zh-CN" sz="1800" dirty="0" err="1"/>
-              <a:t>i</a:t>
-            </a:r>
-            <a:r>
-              <a:rPr lang="en-US" altLang="zh-CN" sz="1800" dirty="0"/>
-              <a:t>] + </a:t>
-            </a:r>
-            <a:r>
-              <a:rPr lang="en-US" altLang="zh-CN" sz="1800" dirty="0" err="1"/>
-              <a:t>arr</a:t>
-            </a:r>
-            <a:r>
-              <a:rPr lang="en-US" altLang="zh-CN" sz="1800" dirty="0"/>
-              <a:t>[i+1][j] &gt; mud[j] + </a:t>
-            </a:r>
-            <a:r>
-              <a:rPr lang="en-US" altLang="zh-CN" sz="1800" dirty="0" err="1"/>
-              <a:t>arr</a:t>
-            </a:r>
-            <a:r>
-              <a:rPr lang="en-US" altLang="zh-CN" sz="1800" dirty="0"/>
-              <a:t>[</a:t>
-            </a:r>
-            <a:r>
-              <a:rPr lang="en-US" altLang="zh-CN" sz="1800" dirty="0" err="1"/>
-              <a:t>i</a:t>
-            </a:r>
-            <a:r>
-              <a:rPr lang="en-US" altLang="zh-CN" sz="1800" dirty="0"/>
-              <a:t>][j-1])//A</a:t>
-            </a:r>
-            <a:br>
-              <a:rPr lang="en-US" altLang="zh-CN" sz="1800" dirty="0"/>
-            </a:br>
-            <a:r>
-              <a:rPr lang="en-US" altLang="zh-CN" sz="1800" dirty="0"/>
-              <a:t>                    </a:t>
-            </a:r>
-            <a:r>
-              <a:rPr lang="en-US" altLang="zh-CN" sz="1800" dirty="0" err="1"/>
-              <a:t>arr</a:t>
-            </a:r>
-            <a:r>
-              <a:rPr lang="en-US" altLang="zh-CN" sz="1800" dirty="0"/>
-              <a:t>[</a:t>
-            </a:r>
-            <a:r>
-              <a:rPr lang="en-US" altLang="zh-CN" sz="1800" dirty="0" err="1"/>
-              <a:t>i</a:t>
-            </a:r>
-            <a:r>
-              <a:rPr lang="en-US" altLang="zh-CN" sz="1800" dirty="0"/>
-              <a:t>][j] = mud[</a:t>
-            </a:r>
-            <a:r>
-              <a:rPr lang="en-US" altLang="zh-CN" sz="1800" dirty="0" err="1"/>
-              <a:t>i</a:t>
-            </a:r>
-            <a:r>
-              <a:rPr lang="en-US" altLang="zh-CN" sz="1800" dirty="0"/>
-              <a:t>] + </a:t>
-            </a:r>
-            <a:r>
-              <a:rPr lang="en-US" altLang="zh-CN" sz="1800" dirty="0" err="1"/>
-              <a:t>arr</a:t>
-            </a:r>
-            <a:r>
-              <a:rPr lang="en-US" altLang="zh-CN" sz="1800" dirty="0"/>
-              <a:t>[i+1][j];</a:t>
-            </a:r>
-          </a:p>
-          <a:p>
-            <a:r>
-              <a:rPr lang="en-US" altLang="zh-CN" sz="1800" dirty="0"/>
-              <a:t>                else:</a:t>
-            </a:r>
-          </a:p>
-          <a:p>
-            <a:r>
-              <a:rPr lang="en-US" altLang="zh-CN" sz="1800" dirty="0"/>
-              <a:t>                    </a:t>
-            </a:r>
-            <a:r>
-              <a:rPr lang="en-US" altLang="zh-CN" sz="1800" dirty="0" err="1"/>
-              <a:t>arr</a:t>
-            </a:r>
-            <a:r>
-              <a:rPr lang="en-US" altLang="zh-CN" sz="1800" dirty="0"/>
-              <a:t>[</a:t>
-            </a:r>
-            <a:r>
-              <a:rPr lang="en-US" altLang="zh-CN" sz="1800" dirty="0" err="1"/>
-              <a:t>i</a:t>
-            </a:r>
-            <a:r>
-              <a:rPr lang="en-US" altLang="zh-CN" sz="1800" dirty="0"/>
-              <a:t>][j] = mud[j] + </a:t>
-            </a:r>
-            <a:r>
-              <a:rPr lang="en-US" altLang="zh-CN" sz="1800" dirty="0" err="1"/>
-              <a:t>arr</a:t>
-            </a:r>
-            <a:r>
-              <a:rPr lang="en-US" altLang="zh-CN" sz="1800" dirty="0"/>
-              <a:t>[</a:t>
-            </a:r>
-            <a:r>
-              <a:rPr lang="en-US" altLang="zh-CN" sz="1800" dirty="0" err="1"/>
-              <a:t>i</a:t>
-            </a:r>
-            <a:r>
-              <a:rPr lang="en-US" altLang="zh-CN" sz="1800" dirty="0"/>
-              <a:t>][j-1];</a:t>
-            </a:r>
-          </a:p>
-          <a:p>
-            <a:r>
-              <a:rPr lang="en-US" altLang="zh-CN" sz="1800" dirty="0"/>
-              <a:t>            else:</a:t>
-            </a:r>
-          </a:p>
-          <a:p>
-            <a:r>
-              <a:rPr lang="en-US" altLang="zh-CN" sz="1800" dirty="0"/>
-              <a:t>                if(mud[</a:t>
-            </a:r>
-            <a:r>
-              <a:rPr lang="en-US" altLang="zh-CN" sz="1800" dirty="0" err="1"/>
-              <a:t>i</a:t>
-            </a:r>
-            <a:r>
-              <a:rPr lang="en-US" altLang="zh-CN" sz="1800" dirty="0"/>
-              <a:t>] + </a:t>
-            </a:r>
-            <a:r>
-              <a:rPr lang="en-US" altLang="zh-CN" sz="1800" dirty="0" err="1"/>
-              <a:t>cjj</a:t>
-            </a:r>
-            <a:r>
-              <a:rPr lang="en-US" altLang="zh-CN" sz="1800" dirty="0"/>
-              <a:t>[i+1][j] -  </a:t>
-            </a:r>
-            <a:r>
-              <a:rPr lang="en-US" altLang="zh-CN" sz="1800" dirty="0" err="1"/>
-              <a:t>arr</a:t>
-            </a:r>
-            <a:r>
-              <a:rPr lang="en-US" altLang="zh-CN" sz="1800" dirty="0"/>
-              <a:t>[i+1][j] &gt; mud[j] + </a:t>
-            </a:r>
-            <a:r>
-              <a:rPr lang="en-US" altLang="zh-CN" sz="1800" dirty="0" err="1"/>
-              <a:t>cjj</a:t>
-            </a:r>
-            <a:r>
-              <a:rPr lang="en-US" altLang="zh-CN" sz="1800" dirty="0"/>
-              <a:t>[</a:t>
-            </a:r>
-            <a:r>
-              <a:rPr lang="en-US" altLang="zh-CN" sz="1800" dirty="0" err="1"/>
-              <a:t>i</a:t>
-            </a:r>
-            <a:r>
-              <a:rPr lang="en-US" altLang="zh-CN" sz="1800" dirty="0"/>
-              <a:t>][j-1] - </a:t>
-            </a:r>
-            <a:r>
-              <a:rPr lang="en-US" altLang="zh-CN" sz="1800" dirty="0" err="1"/>
-              <a:t>arr</a:t>
-            </a:r>
-            <a:r>
-              <a:rPr lang="en-US" altLang="zh-CN" sz="1800" dirty="0"/>
-              <a:t>[</a:t>
-            </a:r>
-            <a:r>
-              <a:rPr lang="en-US" altLang="zh-CN" sz="1800" dirty="0" err="1"/>
-              <a:t>i</a:t>
-            </a:r>
-            <a:r>
-              <a:rPr lang="en-US" altLang="zh-CN" sz="1800" dirty="0"/>
-              <a:t>][j-1])://B</a:t>
-            </a:r>
-          </a:p>
-          <a:p>
-            <a:r>
-              <a:rPr lang="en-US" altLang="zh-CN" sz="1800" dirty="0"/>
-              <a:t>                    </a:t>
-            </a:r>
-            <a:r>
-              <a:rPr lang="en-US" altLang="zh-CN" sz="1800" dirty="0" err="1"/>
-              <a:t>arr</a:t>
-            </a:r>
-            <a:r>
-              <a:rPr lang="en-US" altLang="zh-CN" sz="1800" dirty="0"/>
-              <a:t>[</a:t>
-            </a:r>
-            <a:r>
-              <a:rPr lang="en-US" altLang="zh-CN" sz="1800" dirty="0" err="1"/>
-              <a:t>i</a:t>
-            </a:r>
-            <a:r>
-              <a:rPr lang="en-US" altLang="zh-CN" sz="1800" dirty="0"/>
-              <a:t>][j] = mud[</a:t>
-            </a:r>
-            <a:r>
-              <a:rPr lang="en-US" altLang="zh-CN" sz="1800" dirty="0" err="1"/>
-              <a:t>i</a:t>
-            </a:r>
-            <a:r>
-              <a:rPr lang="en-US" altLang="zh-CN" sz="1800" dirty="0"/>
-              <a:t>] + </a:t>
-            </a:r>
-            <a:r>
-              <a:rPr lang="en-US" altLang="zh-CN" sz="1800" dirty="0" err="1"/>
-              <a:t>arr</a:t>
-            </a:r>
-            <a:r>
-              <a:rPr lang="en-US" altLang="zh-CN" sz="1800" dirty="0"/>
-              <a:t>[i+1][j];</a:t>
-            </a:r>
-          </a:p>
-          <a:p>
-            <a:r>
-              <a:rPr lang="en-US" altLang="zh-CN" sz="1800" dirty="0"/>
-              <a:t>                else:</a:t>
-            </a:r>
-          </a:p>
-          <a:p>
-            <a:r>
-              <a:rPr lang="en-US" altLang="zh-CN" sz="1800" dirty="0"/>
-              <a:t>                    </a:t>
-            </a:r>
-            <a:r>
-              <a:rPr lang="en-US" altLang="zh-CN" sz="1800" dirty="0" err="1"/>
-              <a:t>arr</a:t>
-            </a:r>
-            <a:r>
-              <a:rPr lang="en-US" altLang="zh-CN" sz="1800" dirty="0"/>
-              <a:t>[</a:t>
-            </a:r>
-            <a:r>
-              <a:rPr lang="en-US" altLang="zh-CN" sz="1800" dirty="0" err="1"/>
-              <a:t>i</a:t>
-            </a:r>
-            <a:r>
-              <a:rPr lang="en-US" altLang="zh-CN" sz="1800" dirty="0"/>
-              <a:t>][j] = mud[j] + </a:t>
-            </a:r>
-            <a:r>
-              <a:rPr lang="en-US" altLang="zh-CN" sz="1800" dirty="0" err="1"/>
-              <a:t>arr</a:t>
-            </a:r>
-            <a:r>
-              <a:rPr lang="en-US" altLang="zh-CN" sz="1800" dirty="0"/>
-              <a:t>[</a:t>
-            </a:r>
-            <a:r>
-              <a:rPr lang="en-US" altLang="zh-CN" sz="1800" dirty="0" err="1"/>
-              <a:t>i</a:t>
-            </a:r>
-            <a:r>
-              <a:rPr lang="en-US" altLang="zh-CN" sz="1800" dirty="0"/>
-              <a:t>][j-1];</a:t>
-            </a:r>
-          </a:p>
-          <a:p>
-            <a:endParaRPr lang="en-US" altLang="zh-CN" sz="1800" dirty="0"/>
-          </a:p>
-        </p:txBody>
-      </p:sp>
+      </p:pic>
+      <p:pic>
+        <p:nvPicPr>
+          <p:cNvPr id="9" name="图片 8">
+            <a:extLst>
+              <a:ext uri="{FF2B5EF4-FFF2-40B4-BE49-F238E27FC236}">
+                <a16:creationId xmlns:a16="http://schemas.microsoft.com/office/drawing/2014/main" id="{B9301887-1AA7-49B9-8CEC-74078480D9BE}"/>
+              </a:ext>
+            </a:extLst>
+          </p:cNvPr>
+          <p:cNvPicPr>
+            <a:picLocks noChangeAspect="1"/>
+          </p:cNvPicPr>
+          <p:nvPr/>
+        </p:nvPicPr>
+        <p:blipFill>
+          <a:blip r:embed="rId3">
+            <a:extLst>
+              <a:ext uri="{28A0092B-C50C-407E-A947-70E740481C1C}">
+                <a14:useLocalDpi xmlns:a14="http://schemas.microsoft.com/office/drawing/2010/main" val="0"/>
+              </a:ext>
+            </a:extLst>
+          </a:blip>
+          <a:stretch>
+            <a:fillRect/>
+          </a:stretch>
+        </p:blipFill>
+        <p:spPr>
+          <a:xfrm>
+            <a:off x="5988604" y="1657378"/>
+            <a:ext cx="3828342" cy="4561429"/>
+          </a:xfrm>
+          <a:prstGeom prst="rect">
+            <a:avLst/>
+          </a:prstGeom>
+        </p:spPr>
+      </p:pic>
     </p:spTree>
     <p:extLst>
       <p:ext uri="{BB962C8B-B14F-4D97-AF65-F5344CB8AC3E}">
-        <p14:creationId xmlns:p14="http://schemas.microsoft.com/office/powerpoint/2010/main" val="1605633850"/>
+        <p14:creationId xmlns:p14="http://schemas.microsoft.com/office/powerpoint/2010/main" val="1105542174"/>
       </p:ext>
     </p:extLst>
   </p:cSld>
@@ -5027,7 +4725,7 @@
           <p:cNvPr id="2" name="标题 1">
             <a:extLst>
               <a:ext uri="{FF2B5EF4-FFF2-40B4-BE49-F238E27FC236}">
-                <a16:creationId xmlns:a16="http://schemas.microsoft.com/office/drawing/2014/main" id="{1FD0465E-2763-4FDC-91D9-C81C70994684}"/>
+                <a16:creationId xmlns:a16="http://schemas.microsoft.com/office/drawing/2014/main" id="{1F38276B-3DF3-4D6E-848F-3245A8B633DB}"/>
               </a:ext>
             </a:extLst>
           </p:cNvPr>
@@ -5041,42 +4739,7 @@
         <p:spPr>
           <a:xfrm>
             <a:off x="838200" y="365125"/>
-            <a:ext cx="10515600" cy="540397"/>
-          </a:xfrm>
-        </p:spPr>
-        <p:txBody>
-          <a:bodyPr>
-            <a:normAutofit fontScale="90000"/>
-          </a:bodyPr>
-          <a:lstStyle/>
-          <a:p>
-            <a:r>
-              <a:rPr lang="zh-CN" altLang="en-US" dirty="0"/>
-              <a:t>效率分析</a:t>
-            </a:r>
-          </a:p>
-        </p:txBody>
-      </p:sp>
-      <p:sp>
-        <p:nvSpPr>
-          <p:cNvPr id="3" name="内容占位符 2">
-            <a:extLst>
-              <a:ext uri="{FF2B5EF4-FFF2-40B4-BE49-F238E27FC236}">
-                <a16:creationId xmlns:a16="http://schemas.microsoft.com/office/drawing/2014/main" id="{41F59752-9E4B-4E07-A14E-9241504BA68C}"/>
-              </a:ext>
-            </a:extLst>
-          </p:cNvPr>
-          <p:cNvSpPr>
-            <a:spLocks noGrp="1"/>
-          </p:cNvSpPr>
-          <p:nvPr>
-            <p:ph idx="1"/>
-          </p:nvPr>
-        </p:nvSpPr>
-        <p:spPr>
-          <a:xfrm>
-            <a:off x="838200" y="1233996"/>
-            <a:ext cx="10515600" cy="4942967"/>
+            <a:ext cx="10515600" cy="922137"/>
           </a:xfrm>
         </p:spPr>
         <p:txBody>
@@ -5085,162 +4748,150 @@
           </a:bodyPr>
           <a:lstStyle/>
           <a:p>
-            <a:pPr marL="0" indent="0">
-              <a:buNone/>
-            </a:pPr>
-            <a:r>
-              <a:rPr lang="zh-CN" altLang="en-US" sz="1800" dirty="0"/>
-              <a:t>完全求解子问题时，因为</a:t>
-            </a:r>
-            <a:r>
-              <a:rPr lang="en-US" altLang="zh-CN" sz="1800" dirty="0"/>
-              <a:t>L&lt;=R</a:t>
-            </a:r>
-            <a:r>
-              <a:rPr lang="zh-CN" altLang="en-US" sz="1800" dirty="0"/>
-              <a:t>，所以一共要求解</a:t>
-            </a:r>
-            <a:r>
-              <a:rPr lang="en-US" altLang="zh-CN" sz="1800" dirty="0"/>
-              <a:t>n(n+1)/2</a:t>
-            </a:r>
-            <a:r>
-              <a:rPr lang="zh-CN" altLang="en-US" sz="1800" dirty="0"/>
-              <a:t>个子问题，单个子问题求解时间可以视为常数，因此时间复杂度为</a:t>
-            </a:r>
-            <a:r>
-              <a:rPr lang="en-US" altLang="zh-CN" sz="1800" dirty="0"/>
-              <a:t>O</a:t>
-            </a:r>
-            <a:r>
-              <a:rPr lang="zh-CN" altLang="en-US" sz="1800" dirty="0"/>
-              <a:t>（</a:t>
-            </a:r>
-            <a:r>
-              <a:rPr lang="en-US" altLang="zh-CN" sz="1800" dirty="0"/>
-              <a:t>n^2</a:t>
-            </a:r>
-            <a:r>
-              <a:rPr lang="zh-CN" altLang="en-US" sz="1800" dirty="0"/>
-              <a:t>）</a:t>
-            </a:r>
-            <a:endParaRPr lang="en-US" altLang="zh-CN" sz="1800" dirty="0"/>
-          </a:p>
-          <a:p>
-            <a:pPr marL="0" indent="0">
-              <a:buNone/>
-            </a:pPr>
-            <a:endParaRPr lang="en-US" altLang="zh-CN" sz="1800" dirty="0"/>
-          </a:p>
-          <a:p>
-            <a:pPr marL="0" indent="0">
-              <a:buNone/>
-            </a:pPr>
-            <a:r>
-              <a:rPr lang="zh-CN" altLang="en-US" sz="1800" dirty="0"/>
-              <a:t>每个罐子包含的金币数量不会影响子问题的数量和子问题的求解成本，因此金币数量不会对运行时间产生影响</a:t>
-            </a:r>
-            <a:endParaRPr lang="en-US" altLang="zh-CN" sz="1800" dirty="0"/>
-          </a:p>
-          <a:p>
-            <a:pPr marL="0" indent="0">
-              <a:buNone/>
-            </a:pPr>
-            <a:endParaRPr lang="en-US" altLang="zh-CN" sz="1800" dirty="0"/>
-          </a:p>
-          <a:p>
-            <a:pPr marL="0" indent="0">
-              <a:buNone/>
-            </a:pPr>
-            <a:r>
-              <a:rPr lang="zh-CN" altLang="en-US" sz="1800" dirty="0"/>
-              <a:t>但实验数据来看，随着样例规模的增长，运行时间</a:t>
-            </a:r>
-            <a:endParaRPr lang="en-US" altLang="zh-CN" sz="1800" dirty="0"/>
-          </a:p>
-          <a:p>
-            <a:pPr marL="0" indent="0">
-              <a:buNone/>
-            </a:pPr>
-            <a:r>
-              <a:rPr lang="zh-CN" altLang="en-US" sz="1800" dirty="0"/>
-              <a:t>相较于</a:t>
-            </a:r>
-            <a:r>
-              <a:rPr lang="en-US" altLang="zh-CN" sz="1800" dirty="0"/>
-              <a:t>n^2</a:t>
-            </a:r>
-            <a:r>
-              <a:rPr lang="zh-CN" altLang="en-US" sz="1800" dirty="0"/>
-              <a:t>的拟合曲线偏高</a:t>
-            </a:r>
-          </a:p>
-        </p:txBody>
-      </p:sp>
-      <p:pic>
-        <p:nvPicPr>
-          <p:cNvPr id="7" name="图片 6">
-            <a:extLst>
-              <a:ext uri="{FF2B5EF4-FFF2-40B4-BE49-F238E27FC236}">
-                <a16:creationId xmlns:a16="http://schemas.microsoft.com/office/drawing/2014/main" id="{74F12065-8F70-4C13-AC6C-57F0374670AE}"/>
-              </a:ext>
-            </a:extLst>
-          </p:cNvPr>
-          <p:cNvPicPr>
-            <a:picLocks noChangeAspect="1"/>
-          </p:cNvPicPr>
-          <p:nvPr/>
-        </p:nvPicPr>
-        <p:blipFill>
-          <a:blip r:embed="rId3"/>
-          <a:stretch>
-            <a:fillRect/>
-          </a:stretch>
-        </p:blipFill>
+            <a:r>
+              <a:rPr lang="zh-CN" altLang="en-US" sz="2800" dirty="0"/>
+              <a:t>伪代码（通过</a:t>
+            </a:r>
+            <a:r>
+              <a:rPr lang="en-US" altLang="zh-CN" sz="2800" dirty="0"/>
+              <a:t>DFS</a:t>
+            </a:r>
+            <a:r>
+              <a:rPr lang="zh-CN" altLang="en-US" sz="2800" dirty="0"/>
+              <a:t>建立最小生成树）：</a:t>
+            </a:r>
+          </a:p>
+        </p:txBody>
+      </p:sp>
+      <p:sp>
+        <p:nvSpPr>
+          <p:cNvPr id="3" name="内容占位符 2">
+            <a:extLst>
+              <a:ext uri="{FF2B5EF4-FFF2-40B4-BE49-F238E27FC236}">
+                <a16:creationId xmlns:a16="http://schemas.microsoft.com/office/drawing/2014/main" id="{67B32EC0-C70E-4388-9D65-F677CE4650C7}"/>
+              </a:ext>
+            </a:extLst>
+          </p:cNvPr>
+          <p:cNvSpPr>
+            <a:spLocks noGrp="1"/>
+          </p:cNvSpPr>
+          <p:nvPr>
+            <p:ph idx="1"/>
+          </p:nvPr>
+        </p:nvSpPr>
         <p:spPr>
           <a:xfrm>
-            <a:off x="7696940" y="3705478"/>
-            <a:ext cx="3733826" cy="2896645"/>
+            <a:off x="838200" y="1287262"/>
+            <a:ext cx="10515600" cy="4889701"/>
           </a:xfrm>
-          <a:prstGeom prst="rect">
-            <a:avLst/>
-          </a:prstGeom>
         </p:spPr>
-      </p:pic>
-      <p:pic>
-        <p:nvPicPr>
-          <p:cNvPr id="9" name="图片 8">
-            <a:extLst>
-              <a:ext uri="{FF2B5EF4-FFF2-40B4-BE49-F238E27FC236}">
-                <a16:creationId xmlns:a16="http://schemas.microsoft.com/office/drawing/2014/main" id="{113C62CB-58D6-4EAB-A2FE-434B58174E98}"/>
-              </a:ext>
-            </a:extLst>
-          </p:cNvPr>
-          <p:cNvPicPr>
-            <a:picLocks noChangeAspect="1"/>
-          </p:cNvPicPr>
-          <p:nvPr/>
-        </p:nvPicPr>
-        <p:blipFill>
-          <a:blip r:embed="rId4"/>
-          <a:stretch>
-            <a:fillRect/>
-          </a:stretch>
-        </p:blipFill>
-        <p:spPr>
-          <a:xfrm>
-            <a:off x="3784263" y="3705478"/>
-            <a:ext cx="3912677" cy="3063173"/>
-          </a:xfrm>
-          <a:prstGeom prst="rect">
-            <a:avLst/>
-          </a:prstGeom>
-        </p:spPr>
-      </p:pic>
+        <p:txBody>
+          <a:bodyPr>
+            <a:normAutofit/>
+          </a:bodyPr>
+          <a:lstStyle/>
+          <a:p>
+            <a:r>
+              <a:rPr lang="en-US" altLang="zh-CN" sz="1600" dirty="0" err="1"/>
+              <a:t>dfs</a:t>
+            </a:r>
+            <a:r>
+              <a:rPr lang="en-US" altLang="zh-CN" sz="1600" dirty="0"/>
+              <a:t>(point x):</a:t>
+            </a:r>
+          </a:p>
+          <a:p>
+            <a:r>
+              <a:rPr lang="en-US" altLang="zh-CN" sz="1600" dirty="0"/>
+              <a:t>    if </a:t>
+            </a:r>
+            <a:r>
+              <a:rPr lang="en-US" altLang="zh-CN" sz="1600" dirty="0" err="1"/>
+              <a:t>x.visited</a:t>
+            </a:r>
+            <a:r>
+              <a:rPr lang="en-US" altLang="zh-CN" sz="1600" dirty="0"/>
+              <a:t> :</a:t>
+            </a:r>
+          </a:p>
+          <a:p>
+            <a:r>
+              <a:rPr lang="en-US" altLang="zh-CN" sz="1600" dirty="0"/>
+              <a:t>        return;</a:t>
+            </a:r>
+          </a:p>
+          <a:p>
+            <a:r>
+              <a:rPr lang="en-US" altLang="zh-CN" sz="1600" dirty="0"/>
+              <a:t>    else:</a:t>
+            </a:r>
+          </a:p>
+          <a:p>
+            <a:r>
+              <a:rPr lang="en-US" altLang="zh-CN" sz="1600" dirty="0"/>
+              <a:t>        for each p near x:</a:t>
+            </a:r>
+          </a:p>
+          <a:p>
+            <a:r>
+              <a:rPr lang="en-US" altLang="zh-CN" sz="1600" dirty="0"/>
+              <a:t>            </a:t>
+            </a:r>
+            <a:r>
+              <a:rPr lang="en-US" altLang="zh-CN" sz="1600" dirty="0" err="1"/>
+              <a:t>p.visited</a:t>
+            </a:r>
+            <a:r>
+              <a:rPr lang="en-US" altLang="zh-CN" sz="1600" dirty="0"/>
+              <a:t> = true;</a:t>
+            </a:r>
+          </a:p>
+          <a:p>
+            <a:r>
+              <a:rPr lang="en-US" altLang="zh-CN" sz="1600" dirty="0"/>
+              <a:t>            </a:t>
+            </a:r>
+            <a:r>
+              <a:rPr lang="en-US" altLang="zh-CN" sz="1600" dirty="0" err="1"/>
+              <a:t>p.father</a:t>
+            </a:r>
+            <a:r>
+              <a:rPr lang="en-US" altLang="zh-CN" sz="1600" dirty="0"/>
+              <a:t> = x;</a:t>
+            </a:r>
+          </a:p>
+          <a:p>
+            <a:r>
+              <a:rPr lang="en-US" altLang="zh-CN" sz="1600" dirty="0"/>
+              <a:t>            </a:t>
+            </a:r>
+            <a:r>
+              <a:rPr lang="en-US" altLang="zh-CN" sz="1600" dirty="0" err="1"/>
+              <a:t>dfs</a:t>
+            </a:r>
+            <a:r>
+              <a:rPr lang="en-US" altLang="zh-CN" sz="1600" dirty="0"/>
+              <a:t>(p);</a:t>
+            </a:r>
+          </a:p>
+          <a:p>
+            <a:r>
+              <a:rPr lang="en-US" altLang="zh-CN" sz="1600" dirty="0"/>
+              <a:t>        end</a:t>
+            </a:r>
+          </a:p>
+          <a:p>
+            <a:r>
+              <a:rPr lang="en-US" altLang="zh-CN" sz="1600" dirty="0"/>
+              <a:t>    return;</a:t>
+            </a:r>
+          </a:p>
+        </p:txBody>
+      </p:sp>
     </p:spTree>
     <p:extLst>
       <p:ext uri="{BB962C8B-B14F-4D97-AF65-F5344CB8AC3E}">
-        <p14:creationId xmlns:p14="http://schemas.microsoft.com/office/powerpoint/2010/main" val="1262093669"/>
+        <p14:creationId xmlns:p14="http://schemas.microsoft.com/office/powerpoint/2010/main" val="2203427617"/>
       </p:ext>
     </p:extLst>
   </p:cSld>
@@ -5272,7 +4923,7 @@
           <p:cNvPr id="2" name="标题 1">
             <a:extLst>
               <a:ext uri="{FF2B5EF4-FFF2-40B4-BE49-F238E27FC236}">
-                <a16:creationId xmlns:a16="http://schemas.microsoft.com/office/drawing/2014/main" id="{0FBE7E2D-D1D4-454F-9091-9BA0286D7D81}"/>
+                <a16:creationId xmlns:a16="http://schemas.microsoft.com/office/drawing/2014/main" id="{6689C8D3-FC63-4C55-9C87-E1CD3FA322B8}"/>
               </a:ext>
             </a:extLst>
           </p:cNvPr>
@@ -5283,7 +4934,44 @@
             <p:ph type="title"/>
           </p:nvPr>
         </p:nvSpPr>
-        <p:spPr/>
+        <p:spPr>
+          <a:xfrm flipV="1">
+            <a:off x="838200" y="319406"/>
+            <a:ext cx="10515600" cy="45719"/>
+          </a:xfrm>
+        </p:spPr>
+        <p:txBody>
+          <a:bodyPr>
+            <a:normAutofit fontScale="90000"/>
+          </a:bodyPr>
+          <a:lstStyle/>
+          <a:p>
+            <a:endParaRPr lang="zh-CN" altLang="en-US" dirty="0"/>
+          </a:p>
+        </p:txBody>
+      </p:sp>
+      <p:sp>
+        <p:nvSpPr>
+          <p:cNvPr id="3" name="内容占位符 2">
+            <a:extLst>
+              <a:ext uri="{FF2B5EF4-FFF2-40B4-BE49-F238E27FC236}">
+                <a16:creationId xmlns:a16="http://schemas.microsoft.com/office/drawing/2014/main" id="{CAC3619D-55E9-4C41-8949-BCA78DFB860B}"/>
+              </a:ext>
+            </a:extLst>
+          </p:cNvPr>
+          <p:cNvSpPr>
+            <a:spLocks noGrp="1"/>
+          </p:cNvSpPr>
+          <p:nvPr>
+            <p:ph idx="1"/>
+          </p:nvPr>
+        </p:nvSpPr>
+        <p:spPr>
+          <a:xfrm>
+            <a:off x="838200" y="612559"/>
+            <a:ext cx="10515600" cy="5564404"/>
+          </a:xfrm>
+        </p:spPr>
         <p:txBody>
           <a:bodyPr>
             <a:normAutofit/>
@@ -5291,242 +4979,71 @@
           <a:lstStyle/>
           <a:p>
             <a:r>
-              <a:rPr lang="zh-CN" altLang="en-US" sz="2800" b="1" dirty="0"/>
-              <a:t>尝试优化</a:t>
-            </a:r>
-          </a:p>
-        </p:txBody>
-      </p:sp>
-      <p:sp>
-        <p:nvSpPr>
-          <p:cNvPr id="3" name="内容占位符 2">
-            <a:extLst>
-              <a:ext uri="{FF2B5EF4-FFF2-40B4-BE49-F238E27FC236}">
-                <a16:creationId xmlns:a16="http://schemas.microsoft.com/office/drawing/2014/main" id="{9791FAC8-C48E-4DB3-B26E-3811120C9F0B}"/>
-              </a:ext>
-            </a:extLst>
-          </p:cNvPr>
-          <p:cNvSpPr>
-            <a:spLocks noGrp="1"/>
-          </p:cNvSpPr>
-          <p:nvPr>
-            <p:ph idx="1"/>
-          </p:nvPr>
-        </p:nvSpPr>
-        <p:spPr/>
-        <p:txBody>
-          <a:bodyPr>
-            <a:normAutofit/>
-          </a:bodyPr>
-          <a:lstStyle/>
-          <a:p>
-            <a:pPr marL="0" indent="0">
-              <a:buNone/>
-            </a:pPr>
-            <a:r>
               <a:rPr lang="zh-CN" altLang="en-US" sz="1600" dirty="0"/>
-              <a:t>动态规划的时间复杂度是</a:t>
+              <a:t>优化方向</a:t>
             </a:r>
             <a:r>
               <a:rPr lang="en-US" altLang="zh-CN" sz="1600" dirty="0"/>
-              <a:t>O</a:t>
+              <a:t>2:</a:t>
             </a:r>
             <a:r>
               <a:rPr lang="zh-CN" altLang="en-US" sz="1600" dirty="0"/>
-              <a:t>（</a:t>
-            </a:r>
-            <a:r>
-              <a:rPr lang="en-US" altLang="zh-CN" sz="1600" dirty="0"/>
-              <a:t>n^2</a:t>
-            </a:r>
+              <a:t>路径压缩</a:t>
+            </a:r>
+            <a:endParaRPr lang="en-US" altLang="zh-CN" sz="1600" dirty="0"/>
+          </a:p>
+          <a:p>
             <a:r>
               <a:rPr lang="zh-CN" altLang="en-US" sz="1600" dirty="0"/>
-              <a:t>），计算过程几乎没有有效提高方式</a:t>
+              <a:t>由最小生成树的性质可以知道，树上任意两个节点之间有且仅有一条路，因此不必重复标记路径</a:t>
             </a:r>
             <a:endParaRPr lang="en-US" altLang="zh-CN" sz="1600" dirty="0"/>
           </a:p>
           <a:p>
-            <a:pPr marL="0" indent="0">
-              <a:buNone/>
-            </a:pPr>
+            <a:r>
+              <a:rPr lang="zh-CN" altLang="en-US" sz="1600" dirty="0"/>
+              <a:t>当一个环检查过之后，可以将环上的所有点与他们的公共祖先节点相连，那么下一次遍历时就可以直接得知他们的祖先节点，不必重复遍历。</a:t>
+            </a:r>
             <a:endParaRPr lang="en-US" altLang="zh-CN" sz="1600" dirty="0"/>
           </a:p>
           <a:p>
-            <a:pPr marL="0" indent="0">
-              <a:buNone/>
-            </a:pPr>
             <a:r>
               <a:rPr lang="zh-CN" altLang="en-US" sz="1600" dirty="0"/>
-              <a:t>但是可以在空间方向入手，上面动态规划是通过二维数组储存结果的，</a:t>
-            </a:r>
-            <a:endParaRPr lang="en-US" altLang="zh-CN" sz="1600" dirty="0"/>
-          </a:p>
-          <a:p>
-            <a:pPr marL="0" indent="0">
-              <a:buNone/>
-            </a:pPr>
-            <a:r>
-              <a:rPr lang="zh-CN" altLang="en-US" sz="1600" dirty="0"/>
-              <a:t>但是按状态方程，本轮计算参数只有上一轮的结果</a:t>
-            </a:r>
-            <a:endParaRPr lang="en-US" altLang="zh-CN" sz="1600" dirty="0"/>
-          </a:p>
-          <a:p>
-            <a:pPr marL="0" indent="0">
-              <a:buNone/>
-            </a:pPr>
-            <a:r>
-              <a:rPr lang="zh-CN" altLang="en-US" sz="1600" dirty="0"/>
-              <a:t>所以可以通过一维数组去储存上一轮结果</a:t>
-            </a:r>
-            <a:endParaRPr lang="en-US" altLang="zh-CN" sz="1600" dirty="0"/>
-          </a:p>
-          <a:p>
-            <a:pPr marL="0" indent="0">
-              <a:buNone/>
-            </a:pPr>
-            <a:r>
-              <a:rPr lang="zh-CN" altLang="en-US" sz="1600" dirty="0"/>
-              <a:t>可以将空间效率从</a:t>
-            </a:r>
-            <a:r>
-              <a:rPr lang="en-US" altLang="zh-CN" sz="1600" dirty="0"/>
-              <a:t>O(n^2)</a:t>
-            </a:r>
-            <a:r>
-              <a:rPr lang="zh-CN" altLang="en-US" sz="1600" dirty="0"/>
-              <a:t>降低到</a:t>
+              <a:t>通过路径压缩，可以将</a:t>
             </a:r>
             <a:r>
               <a:rPr lang="en-US" altLang="zh-CN" sz="1600" dirty="0"/>
               <a:t>O(n)</a:t>
             </a:r>
-          </a:p>
-          <a:p>
-            <a:pPr marL="0" indent="0">
-              <a:buNone/>
-            </a:pPr>
-            <a:endParaRPr lang="en-US" altLang="zh-CN" sz="1600" dirty="0"/>
-          </a:p>
-          <a:p>
-            <a:pPr marL="0" indent="0">
-              <a:buNone/>
-            </a:pPr>
             <a:r>
               <a:rPr lang="zh-CN" altLang="en-US" sz="1600" dirty="0"/>
-              <a:t>实验数据表明一维数组时间效率渐近</a:t>
+              <a:t>的</a:t>
+            </a:r>
+            <a:r>
+              <a:rPr lang="en-US" altLang="zh-CN" sz="1600" dirty="0" err="1"/>
+              <a:t>dfs</a:t>
+            </a:r>
+            <a:r>
+              <a:rPr lang="zh-CN" altLang="en-US" sz="1600" dirty="0"/>
+              <a:t>递归深度减少至</a:t>
             </a:r>
             <a:r>
               <a:rPr lang="en-US" altLang="zh-CN" sz="1600" dirty="0"/>
-              <a:t>O</a:t>
+              <a:t>O(1)</a:t>
             </a:r>
             <a:r>
               <a:rPr lang="zh-CN" altLang="en-US" sz="1600" dirty="0"/>
-              <a:t>（</a:t>
-            </a:r>
-            <a:r>
-              <a:rPr lang="en-US" altLang="zh-CN" sz="1600" dirty="0"/>
-              <a:t>n</a:t>
-            </a:r>
-            <a:r>
-              <a:rPr lang="zh-CN" altLang="en-US" sz="1600" dirty="0"/>
-              <a:t>）</a:t>
-            </a:r>
-            <a:endParaRPr lang="en-US" altLang="zh-CN" sz="1600" dirty="0"/>
-          </a:p>
-          <a:p>
-            <a:pPr marL="0" indent="0">
-              <a:buNone/>
-            </a:pPr>
-            <a:endParaRPr lang="en-US" altLang="zh-CN" sz="1600" dirty="0"/>
-          </a:p>
-          <a:p>
-            <a:pPr marL="0" indent="0">
-              <a:buNone/>
-            </a:pPr>
-            <a:r>
-              <a:rPr lang="zh-CN" altLang="en-US" sz="1600" dirty="0"/>
-              <a:t>原因分析</a:t>
-            </a:r>
-            <a:r>
-              <a:rPr lang="en-US" altLang="zh-CN" sz="1600" dirty="0">
-                <a:sym typeface="Wingdings" panose="05000000000000000000" pitchFamily="2" charset="2"/>
-              </a:rPr>
-              <a:t>:</a:t>
-            </a:r>
-          </a:p>
-          <a:p>
-            <a:pPr marL="0" indent="0">
-              <a:buNone/>
-            </a:pPr>
-            <a:r>
-              <a:rPr lang="en-US" altLang="zh-CN" sz="1600" dirty="0">
-                <a:sym typeface="Wingdings" panose="05000000000000000000" pitchFamily="2" charset="2"/>
-              </a:rPr>
-              <a:t>(1)</a:t>
-            </a:r>
-            <a:r>
-              <a:rPr lang="zh-CN" altLang="en-US" sz="1600" dirty="0">
-                <a:sym typeface="Wingdings" panose="05000000000000000000" pitchFamily="2" charset="2"/>
-              </a:rPr>
-              <a:t>开辟空间的时间 </a:t>
-            </a:r>
-            <a:endParaRPr lang="en-US" altLang="zh-CN" sz="1600" dirty="0">
-              <a:sym typeface="Wingdings" panose="05000000000000000000" pitchFamily="2" charset="2"/>
-            </a:endParaRPr>
-          </a:p>
-          <a:p>
-            <a:pPr marL="0" indent="0">
-              <a:buNone/>
-            </a:pPr>
-            <a:r>
-              <a:rPr lang="en-US" altLang="zh-CN" sz="1600" dirty="0">
-                <a:sym typeface="Wingdings" panose="05000000000000000000" pitchFamily="2" charset="2"/>
-              </a:rPr>
-              <a:t>(2)</a:t>
-            </a:r>
-            <a:r>
-              <a:rPr lang="en-US" altLang="zh-CN" sz="1600" dirty="0"/>
-              <a:t>cache</a:t>
-            </a:r>
-            <a:r>
-              <a:rPr lang="zh-CN" altLang="en-US" sz="1600" dirty="0"/>
-              <a:t>命中</a:t>
-            </a:r>
-            <a:endParaRPr lang="en-US" altLang="zh-CN" sz="1600" dirty="0"/>
-          </a:p>
-          <a:p>
-            <a:pPr marL="0" indent="0">
-              <a:buNone/>
-            </a:pPr>
-            <a:endParaRPr lang="en-US" altLang="zh-CN" sz="1600" dirty="0"/>
-          </a:p>
-          <a:p>
-            <a:pPr marL="0" indent="0">
-              <a:buNone/>
-            </a:pPr>
-            <a:endParaRPr lang="en-US" altLang="zh-CN" sz="2000" dirty="0"/>
-          </a:p>
-          <a:p>
-            <a:pPr marL="0" indent="0">
-              <a:buNone/>
-            </a:pPr>
-            <a:endParaRPr lang="en-US" altLang="zh-CN" sz="2000" dirty="0"/>
-          </a:p>
-          <a:p>
-            <a:pPr marL="0" indent="0">
-              <a:buNone/>
-            </a:pPr>
-            <a:endParaRPr lang="zh-CN" altLang="en-US" sz="2000" dirty="0"/>
+              <a:t>，一次查询即可得到结果</a:t>
+            </a:r>
           </a:p>
         </p:txBody>
       </p:sp>
       <p:pic>
         <p:nvPicPr>
-          <p:cNvPr id="6" name="图片 5">
-            <a:extLst>
-              <a:ext uri="{FF2B5EF4-FFF2-40B4-BE49-F238E27FC236}">
-                <a16:creationId xmlns:a16="http://schemas.microsoft.com/office/drawing/2014/main" id="{7387D97F-2C68-44EA-9E2B-5CBAF6A7D79C}"/>
+          <p:cNvPr id="5" name="图片 4">
+            <a:extLst>
+              <a:ext uri="{FF2B5EF4-FFF2-40B4-BE49-F238E27FC236}">
+                <a16:creationId xmlns:a16="http://schemas.microsoft.com/office/drawing/2014/main" id="{CCC18ED6-6F8B-476B-81F3-B727DCA4B496}"/>
               </a:ext>
             </a:extLst>
           </p:cNvPr>
@@ -5536,15 +5053,21 @@
           <p:nvPr/>
         </p:nvPicPr>
         <p:blipFill>
-          <a:blip r:embed="rId2"/>
+          <a:blip r:embed="rId2">
+            <a:extLst>
+              <a:ext uri="{28A0092B-C50C-407E-A947-70E740481C1C}">
+                <a14:useLocalDpi xmlns:a14="http://schemas.microsoft.com/office/drawing/2010/main" val="0"/>
+              </a:ext>
+            </a:extLst>
+          </a:blip>
           <a:stretch>
             <a:fillRect/>
           </a:stretch>
         </p:blipFill>
         <p:spPr>
           <a:xfrm>
-            <a:off x="7208668" y="3078758"/>
-            <a:ext cx="4145132" cy="3264892"/>
+            <a:off x="600722" y="2560474"/>
+            <a:ext cx="10990556" cy="3409950"/>
           </a:xfrm>
           <a:prstGeom prst="rect">
             <a:avLst/>
@@ -5554,7 +5077,7 @@
     </p:spTree>
     <p:extLst>
       <p:ext uri="{BB962C8B-B14F-4D97-AF65-F5344CB8AC3E}">
-        <p14:creationId xmlns:p14="http://schemas.microsoft.com/office/powerpoint/2010/main" val="4103254326"/>
+        <p14:creationId xmlns:p14="http://schemas.microsoft.com/office/powerpoint/2010/main" val="3094741464"/>
       </p:ext>
     </p:extLst>
   </p:cSld>
@@ -5586,7 +5109,7 @@
           <p:cNvPr id="2" name="标题 1">
             <a:extLst>
               <a:ext uri="{FF2B5EF4-FFF2-40B4-BE49-F238E27FC236}">
-                <a16:creationId xmlns:a16="http://schemas.microsoft.com/office/drawing/2014/main" id="{5637EFB4-A24A-4AD5-8CA5-28F4880496F8}"/>
+                <a16:creationId xmlns:a16="http://schemas.microsoft.com/office/drawing/2014/main" id="{544A0942-3457-4F5A-A873-0DADC11BF2FD}"/>
               </a:ext>
             </a:extLst>
           </p:cNvPr>
@@ -5602,30 +5125,148 @@
           <a:bodyPr/>
           <a:lstStyle/>
           <a:p>
+            <a:endParaRPr lang="zh-CN" altLang="en-US"/>
+          </a:p>
+        </p:txBody>
+      </p:sp>
+      <p:sp>
+        <p:nvSpPr>
+          <p:cNvPr id="3" name="内容占位符 2">
+            <a:extLst>
+              <a:ext uri="{FF2B5EF4-FFF2-40B4-BE49-F238E27FC236}">
+                <a16:creationId xmlns:a16="http://schemas.microsoft.com/office/drawing/2014/main" id="{9DF19941-8344-46BA-991E-2E454E3A49B9}"/>
+              </a:ext>
+            </a:extLst>
+          </p:cNvPr>
+          <p:cNvSpPr>
+            <a:spLocks noGrp="1"/>
+          </p:cNvSpPr>
+          <p:nvPr>
+            <p:ph idx="1"/>
+          </p:nvPr>
+        </p:nvSpPr>
+        <p:spPr/>
+        <p:txBody>
+          <a:bodyPr/>
+          <a:lstStyle/>
+          <a:p>
             <a:endParaRPr lang="zh-CN" altLang="en-US" dirty="0"/>
           </a:p>
         </p:txBody>
       </p:sp>
-      <p:sp>
-        <p:nvSpPr>
-          <p:cNvPr id="3" name="内容占位符 2">
-            <a:extLst>
-              <a:ext uri="{FF2B5EF4-FFF2-40B4-BE49-F238E27FC236}">
-                <a16:creationId xmlns:a16="http://schemas.microsoft.com/office/drawing/2014/main" id="{D79AF6AD-D55F-434D-A1F6-90BC7DCB2C84}"/>
-              </a:ext>
-            </a:extLst>
-          </p:cNvPr>
-          <p:cNvSpPr>
-            <a:spLocks noGrp="1"/>
-          </p:cNvSpPr>
-          <p:nvPr>
-            <p:ph idx="1"/>
+      <p:pic>
+        <p:nvPicPr>
+          <p:cNvPr id="5" name="图片 4">
+            <a:extLst>
+              <a:ext uri="{FF2B5EF4-FFF2-40B4-BE49-F238E27FC236}">
+                <a16:creationId xmlns:a16="http://schemas.microsoft.com/office/drawing/2014/main" id="{5E66C1D5-C710-47FD-A1EC-B5DB2AF1D900}"/>
+              </a:ext>
+            </a:extLst>
+          </p:cNvPr>
+          <p:cNvPicPr>
+            <a:picLocks noChangeAspect="1"/>
+          </p:cNvPicPr>
+          <p:nvPr/>
+        </p:nvPicPr>
+        <p:blipFill>
+          <a:blip r:embed="rId2"/>
+          <a:stretch>
+            <a:fillRect/>
+          </a:stretch>
+        </p:blipFill>
+        <p:spPr>
+          <a:xfrm>
+            <a:off x="2223117" y="520470"/>
+            <a:ext cx="7187214" cy="5656493"/>
+          </a:xfrm>
+          <a:prstGeom prst="rect">
+            <a:avLst/>
+          </a:prstGeom>
+        </p:spPr>
+      </p:pic>
+    </p:spTree>
+    <p:extLst>
+      <p:ext uri="{BB962C8B-B14F-4D97-AF65-F5344CB8AC3E}">
+        <p14:creationId xmlns:p14="http://schemas.microsoft.com/office/powerpoint/2010/main" val="3210785624"/>
+      </p:ext>
+    </p:extLst>
+  </p:cSld>
+  <p:clrMapOvr>
+    <a:masterClrMapping/>
+  </p:clrMapOvr>
+</p:sld>
+</file>
+
+<file path=ppt/slides/slide9.xml><?xml version="1.0" encoding="utf-8"?>
+<p:sld xmlns:a="http://schemas.openxmlformats.org/drawingml/2006/main" xmlns:r="http://schemas.openxmlformats.org/officeDocument/2006/relationships" xmlns:p="http://schemas.openxmlformats.org/presentationml/2006/main">
+  <p:cSld>
+    <p:spTree>
+      <p:nvGrpSpPr>
+        <p:cNvPr id="1" name=""/>
+        <p:cNvGrpSpPr/>
+        <p:nvPr/>
+      </p:nvGrpSpPr>
+      <p:grpSpPr>
+        <a:xfrm>
+          <a:off x="0" y="0"/>
+          <a:ext cx="0" cy="0"/>
+          <a:chOff x="0" y="0"/>
+          <a:chExt cx="0" cy="0"/>
+        </a:xfrm>
+      </p:grpSpPr>
+      <p:sp>
+        <p:nvSpPr>
+          <p:cNvPr id="2" name="标题 1">
+            <a:extLst>
+              <a:ext uri="{FF2B5EF4-FFF2-40B4-BE49-F238E27FC236}">
+                <a16:creationId xmlns:a16="http://schemas.microsoft.com/office/drawing/2014/main" id="{00146DD9-B245-430F-9395-377E5F8E4186}"/>
+              </a:ext>
+            </a:extLst>
+          </p:cNvPr>
+          <p:cNvSpPr>
+            <a:spLocks noGrp="1"/>
+          </p:cNvSpPr>
+          <p:nvPr>
+            <p:ph type="title"/>
           </p:nvPr>
         </p:nvSpPr>
         <p:spPr>
           <a:xfrm>
             <a:off x="838200" y="365125"/>
-            <a:ext cx="10515600" cy="5811838"/>
+            <a:ext cx="10515600" cy="931015"/>
+          </a:xfrm>
+        </p:spPr>
+        <p:txBody>
+          <a:bodyPr/>
+          <a:lstStyle/>
+          <a:p>
+            <a:r>
+              <a:rPr lang="zh-CN" altLang="en-US" dirty="0"/>
+              <a:t>数据集测试</a:t>
+            </a:r>
+          </a:p>
+        </p:txBody>
+      </p:sp>
+      <p:sp>
+        <p:nvSpPr>
+          <p:cNvPr id="9" name="内容占位符 8">
+            <a:extLst>
+              <a:ext uri="{FF2B5EF4-FFF2-40B4-BE49-F238E27FC236}">
+                <a16:creationId xmlns:a16="http://schemas.microsoft.com/office/drawing/2014/main" id="{EEBE05A9-3E5F-4D22-9FE9-DF11E1B9C284}"/>
+              </a:ext>
+            </a:extLst>
+          </p:cNvPr>
+          <p:cNvSpPr>
+            <a:spLocks noGrp="1"/>
+          </p:cNvSpPr>
+          <p:nvPr>
+            <p:ph idx="1"/>
+          </p:nvPr>
+        </p:nvSpPr>
+        <p:spPr>
+          <a:xfrm>
+            <a:off x="838200" y="1606858"/>
+            <a:ext cx="10515600" cy="4570105"/>
           </a:xfrm>
         </p:spPr>
         <p:txBody>
@@ -5634,32 +5275,96 @@
           </a:bodyPr>
           <a:lstStyle/>
           <a:p>
-            <a:pPr marL="0" indent="0" algn="ctr">
-              <a:buNone/>
-            </a:pPr>
-            <a:endParaRPr lang="en-US" altLang="zh-CN" sz="8000" dirty="0"/>
-          </a:p>
-          <a:p>
-            <a:pPr marL="0" indent="0" algn="ctr">
-              <a:buNone/>
-            </a:pPr>
-            <a:endParaRPr lang="en-US" altLang="zh-CN" sz="8000" dirty="0"/>
-          </a:p>
-          <a:p>
-            <a:pPr marL="0" indent="0" algn="ctr">
-              <a:buNone/>
-            </a:pPr>
-            <a:r>
-              <a:rPr lang="zh-CN" altLang="en-US" sz="8000" dirty="0"/>
-              <a:t>谢谢观看</a:t>
-            </a:r>
-          </a:p>
-        </p:txBody>
-      </p:sp>
+            <a:r>
+              <a:rPr lang="zh-CN" altLang="en-US" sz="1600" dirty="0"/>
+              <a:t>实验结果表明，最小生成树和路径压缩均对算法效率有较大提升</a:t>
+            </a:r>
+            <a:endParaRPr lang="en-US" altLang="zh-CN" sz="1600" dirty="0"/>
+          </a:p>
+          <a:p>
+            <a:r>
+              <a:rPr lang="zh-CN" altLang="en-US" sz="1600" dirty="0"/>
+              <a:t>通过路径压缩，搜索深度可以压缩至</a:t>
+            </a:r>
+            <a:r>
+              <a:rPr lang="en-US" altLang="zh-CN" sz="1600" dirty="0"/>
+              <a:t>O(1)</a:t>
+            </a:r>
+            <a:r>
+              <a:rPr lang="zh-CN" altLang="en-US" sz="1600" dirty="0"/>
+              <a:t>，最小生成树可以减少</a:t>
+            </a:r>
+            <a:r>
+              <a:rPr lang="en-US" altLang="zh-CN" sz="1600" dirty="0" err="1"/>
+              <a:t>dfs</a:t>
+            </a:r>
+            <a:r>
+              <a:rPr lang="zh-CN" altLang="en-US" sz="1600" dirty="0"/>
+              <a:t>次数并储存结果</a:t>
+            </a:r>
+            <a:endParaRPr lang="en-US" altLang="zh-CN" sz="1600" dirty="0"/>
+          </a:p>
+          <a:p>
+            <a:r>
+              <a:rPr lang="zh-CN" altLang="en-US" sz="1600" dirty="0"/>
+              <a:t>最小生成树和路径压缩优化之后时间成本相较于基准算法从</a:t>
+            </a:r>
+            <a:r>
+              <a:rPr lang="en-US" altLang="zh-CN" sz="1600" dirty="0"/>
+              <a:t>O(n^2)</a:t>
+            </a:r>
+            <a:r>
+              <a:rPr lang="zh-CN" altLang="en-US" sz="1600" dirty="0"/>
+              <a:t>减少到</a:t>
+            </a:r>
+            <a:r>
+              <a:rPr lang="en-US" altLang="zh-CN" sz="1600" dirty="0"/>
+              <a:t>O(n)</a:t>
+            </a:r>
+            <a:endParaRPr lang="zh-CN" altLang="en-US" sz="1600" dirty="0"/>
+          </a:p>
+        </p:txBody>
+      </p:sp>
+      <p:pic>
+        <p:nvPicPr>
+          <p:cNvPr id="12" name="图片 11">
+            <a:extLst>
+              <a:ext uri="{FF2B5EF4-FFF2-40B4-BE49-F238E27FC236}">
+                <a16:creationId xmlns:a16="http://schemas.microsoft.com/office/drawing/2014/main" id="{CFE29180-A1A9-4F51-A864-EBE6C5A01FE2}"/>
+              </a:ext>
+            </a:extLst>
+          </p:cNvPr>
+          <p:cNvPicPr>
+            <a:picLocks noChangeAspect="1"/>
+          </p:cNvPicPr>
+          <p:nvPr/>
+        </p:nvPicPr>
+        <p:blipFill>
+          <a:blip r:embed="rId2">
+            <a:extLst>
+              <a:ext uri="{28A0092B-C50C-407E-A947-70E740481C1C}">
+                <a14:useLocalDpi xmlns:a14="http://schemas.microsoft.com/office/drawing/2010/main" val="0"/>
+              </a:ext>
+            </a:extLst>
+          </a:blip>
+          <a:stretch>
+            <a:fillRect/>
+          </a:stretch>
+        </p:blipFill>
+        <p:spPr>
+          <a:xfrm>
+            <a:off x="838200" y="3664977"/>
+            <a:ext cx="7563775" cy="1586165"/>
+          </a:xfrm>
+          <a:prstGeom prst="rect">
+            <a:avLst/>
+          </a:prstGeom>
+        </p:spPr>
+      </p:pic>
     </p:spTree>
     <p:extLst>
       <p:ext uri="{BB962C8B-B14F-4D97-AF65-F5344CB8AC3E}">
-        <p14:creationId xmlns:p14="http://schemas.microsoft.com/office/powerpoint/2010/main" val="2941550997"/>
+        <p14:creationId xmlns:p14="http://schemas.microsoft.com/office/powerpoint/2010/main" val="2960159118"/>
       </p:ext>
     </p:extLst>
   </p:cSld>

--- a/report/实验5/算法实验05.pptx
+++ b/report/实验5/算法实验05.pptx
@@ -15,7 +15,7 @@
     <p:sldId id="277" r:id="rId6"/>
     <p:sldId id="281" r:id="rId7"/>
     <p:sldId id="278" r:id="rId8"/>
-    <p:sldId id="282" r:id="rId9"/>
+    <p:sldId id="283" r:id="rId9"/>
     <p:sldId id="280" r:id="rId10"/>
     <p:sldId id="274" r:id="rId11"/>
   </p:sldIdLst>
@@ -206,7 +206,7 @@
           <a:p>
             <a:fld id="{F58E760A-513A-4FE9-992A-6186B1C5668C}" type="datetimeFigureOut">
               <a:rPr lang="zh-CN" altLang="en-US" smtClean="0"/>
-              <a:t>2022/5/24</a:t>
+              <a:t>2022/5/26</a:t>
             </a:fld>
             <a:endParaRPr lang="zh-CN" altLang="en-US"/>
           </a:p>
@@ -620,7 +620,7 @@
           <a:p>
             <a:fld id="{0A5E204F-936A-4981-9D89-FEB571C08560}" type="datetimeFigureOut">
               <a:rPr lang="zh-CN" altLang="en-US" smtClean="0"/>
-              <a:t>2022/5/24</a:t>
+              <a:t>2022/5/26</a:t>
             </a:fld>
             <a:endParaRPr lang="zh-CN" altLang="en-US"/>
           </a:p>
@@ -818,7 +818,7 @@
           <a:p>
             <a:fld id="{0A5E204F-936A-4981-9D89-FEB571C08560}" type="datetimeFigureOut">
               <a:rPr lang="zh-CN" altLang="en-US" smtClean="0"/>
-              <a:t>2022/5/24</a:t>
+              <a:t>2022/5/26</a:t>
             </a:fld>
             <a:endParaRPr lang="zh-CN" altLang="en-US"/>
           </a:p>
@@ -1026,7 +1026,7 @@
           <a:p>
             <a:fld id="{0A5E204F-936A-4981-9D89-FEB571C08560}" type="datetimeFigureOut">
               <a:rPr lang="zh-CN" altLang="en-US" smtClean="0"/>
-              <a:t>2022/5/24</a:t>
+              <a:t>2022/5/26</a:t>
             </a:fld>
             <a:endParaRPr lang="zh-CN" altLang="en-US"/>
           </a:p>
@@ -1224,7 +1224,7 @@
           <a:p>
             <a:fld id="{0A5E204F-936A-4981-9D89-FEB571C08560}" type="datetimeFigureOut">
               <a:rPr lang="zh-CN" altLang="en-US" smtClean="0"/>
-              <a:t>2022/5/24</a:t>
+              <a:t>2022/5/26</a:t>
             </a:fld>
             <a:endParaRPr lang="zh-CN" altLang="en-US"/>
           </a:p>
@@ -1499,7 +1499,7 @@
           <a:p>
             <a:fld id="{0A5E204F-936A-4981-9D89-FEB571C08560}" type="datetimeFigureOut">
               <a:rPr lang="zh-CN" altLang="en-US" smtClean="0"/>
-              <a:t>2022/5/24</a:t>
+              <a:t>2022/5/26</a:t>
             </a:fld>
             <a:endParaRPr lang="zh-CN" altLang="en-US"/>
           </a:p>
@@ -1764,7 +1764,7 @@
           <a:p>
             <a:fld id="{0A5E204F-936A-4981-9D89-FEB571C08560}" type="datetimeFigureOut">
               <a:rPr lang="zh-CN" altLang="en-US" smtClean="0"/>
-              <a:t>2022/5/24</a:t>
+              <a:t>2022/5/26</a:t>
             </a:fld>
             <a:endParaRPr lang="zh-CN" altLang="en-US"/>
           </a:p>
@@ -2176,7 +2176,7 @@
           <a:p>
             <a:fld id="{0A5E204F-936A-4981-9D89-FEB571C08560}" type="datetimeFigureOut">
               <a:rPr lang="zh-CN" altLang="en-US" smtClean="0"/>
-              <a:t>2022/5/24</a:t>
+              <a:t>2022/5/26</a:t>
             </a:fld>
             <a:endParaRPr lang="zh-CN" altLang="en-US"/>
           </a:p>
@@ -2317,7 +2317,7 @@
           <a:p>
             <a:fld id="{0A5E204F-936A-4981-9D89-FEB571C08560}" type="datetimeFigureOut">
               <a:rPr lang="zh-CN" altLang="en-US" smtClean="0"/>
-              <a:t>2022/5/24</a:t>
+              <a:t>2022/5/26</a:t>
             </a:fld>
             <a:endParaRPr lang="zh-CN" altLang="en-US"/>
           </a:p>
@@ -2430,7 +2430,7 @@
           <a:p>
             <a:fld id="{0A5E204F-936A-4981-9D89-FEB571C08560}" type="datetimeFigureOut">
               <a:rPr lang="zh-CN" altLang="en-US" smtClean="0"/>
-              <a:t>2022/5/24</a:t>
+              <a:t>2022/5/26</a:t>
             </a:fld>
             <a:endParaRPr lang="zh-CN" altLang="en-US"/>
           </a:p>
@@ -2741,7 +2741,7 @@
           <a:p>
             <a:fld id="{0A5E204F-936A-4981-9D89-FEB571C08560}" type="datetimeFigureOut">
               <a:rPr lang="zh-CN" altLang="en-US" smtClean="0"/>
-              <a:t>2022/5/24</a:t>
+              <a:t>2022/5/26</a:t>
             </a:fld>
             <a:endParaRPr lang="zh-CN" altLang="en-US"/>
           </a:p>
@@ -3029,7 +3029,7 @@
           <a:p>
             <a:fld id="{0A5E204F-936A-4981-9D89-FEB571C08560}" type="datetimeFigureOut">
               <a:rPr lang="zh-CN" altLang="en-US" smtClean="0"/>
-              <a:t>2022/5/24</a:t>
+              <a:t>2022/5/26</a:t>
             </a:fld>
             <a:endParaRPr lang="zh-CN" altLang="en-US"/>
           </a:p>
@@ -3270,7 +3270,7 @@
           <a:p>
             <a:fld id="{0A5E204F-936A-4981-9D89-FEB571C08560}" type="datetimeFigureOut">
               <a:rPr lang="zh-CN" altLang="en-US" smtClean="0"/>
-              <a:t>2022/5/24</a:t>
+              <a:t>2022/5/26</a:t>
             </a:fld>
             <a:endParaRPr lang="zh-CN" altLang="en-US"/>
           </a:p>
@@ -4493,11 +4493,22 @@
           <a:p>
             <a:r>
               <a:rPr lang="zh-CN" altLang="en-US" sz="1600" dirty="0"/>
-              <a:t>对问题分析可以发现，一条边是桥当且仅当他不是一个环。</a:t>
+              <a:t>（</a:t>
+            </a:r>
+            <a:r>
+              <a:rPr lang="en-US" altLang="zh-CN" sz="1600" dirty="0"/>
+              <a:t>2</a:t>
+            </a:r>
+            <a:r>
+              <a:rPr lang="zh-CN" altLang="en-US" sz="1600" dirty="0"/>
+              <a:t>）降低递归深度，不走重复的路</a:t>
             </a:r>
             <a:endParaRPr lang="en-US" altLang="zh-CN" sz="1600" dirty="0"/>
           </a:p>
           <a:p>
+            <a:pPr marL="0" indent="0">
+              <a:buNone/>
+            </a:pPr>
             <a:endParaRPr lang="en-US" altLang="zh-CN" sz="1600" dirty="0"/>
           </a:p>
           <a:p>
@@ -4510,14 +4521,22 @@
           <a:p>
             <a:r>
               <a:rPr lang="zh-CN" altLang="en-US" sz="1600" dirty="0"/>
-              <a:t>由最小生成树的性质，不在树上的边一定会和其他边组成环</a:t>
+              <a:t>最小生成树的性质，不在树上的边一定会和其他边组成环</a:t>
             </a:r>
             <a:endParaRPr lang="en-US" altLang="zh-CN" sz="1600" dirty="0"/>
           </a:p>
           <a:p>
             <a:r>
               <a:rPr lang="zh-CN" altLang="en-US" sz="1600" dirty="0"/>
-              <a:t>因此只需要检查不在树上的边并标记所有环边，树上所有没有被标记的边都是桥</a:t>
+              <a:t>由此我们可以通过逆向思维：我们不需要主动找桥，因为定义一条边是一座桥</a:t>
+            </a:r>
+            <a:r>
+              <a:rPr lang="zh-CN" altLang="en-US" sz="1600" b="1" dirty="0"/>
+              <a:t>当且仅当这条边不在任何环上</a:t>
+            </a:r>
+            <a:r>
+              <a:rPr lang="zh-CN" altLang="en-US" sz="1600" dirty="0"/>
+              <a:t>，只要我们把环边找出来，然后剩下的不是环边的边，就是桥了</a:t>
             </a:r>
             <a:endParaRPr lang="en-US" altLang="zh-CN" sz="1600" dirty="0"/>
           </a:p>
@@ -5035,15 +5054,22 @@
               <a:rPr lang="zh-CN" altLang="en-US" sz="1600" dirty="0"/>
               <a:t>，一次查询即可得到结果</a:t>
             </a:r>
+            <a:endParaRPr lang="en-US" altLang="zh-CN" sz="1600" dirty="0"/>
+          </a:p>
+          <a:p>
+            <a:r>
+              <a:rPr lang="zh-CN" altLang="en-US" sz="1600" dirty="0"/>
+              <a:t>实际上是“查询”祖先之后，通过合并把子节点全部“合并”到公共祖先上</a:t>
+            </a:r>
           </a:p>
         </p:txBody>
       </p:sp>
       <p:pic>
         <p:nvPicPr>
-          <p:cNvPr id="5" name="图片 4">
-            <a:extLst>
-              <a:ext uri="{FF2B5EF4-FFF2-40B4-BE49-F238E27FC236}">
-                <a16:creationId xmlns:a16="http://schemas.microsoft.com/office/drawing/2014/main" id="{CCC18ED6-6F8B-476B-81F3-B727DCA4B496}"/>
+          <p:cNvPr id="6" name="图片 5">
+            <a:extLst>
+              <a:ext uri="{FF2B5EF4-FFF2-40B4-BE49-F238E27FC236}">
+                <a16:creationId xmlns:a16="http://schemas.microsoft.com/office/drawing/2014/main" id="{A47EE38D-F858-4DC8-BCCA-30208C3FC33F}"/>
               </a:ext>
             </a:extLst>
           </p:cNvPr>
@@ -5066,8 +5092,38 @@
         </p:blipFill>
         <p:spPr>
           <a:xfrm>
-            <a:off x="600722" y="2560474"/>
-            <a:ext cx="10990556" cy="3409950"/>
+            <a:off x="838201" y="2621023"/>
+            <a:ext cx="6684950" cy="3803374"/>
+          </a:xfrm>
+          <a:prstGeom prst="rect">
+            <a:avLst/>
+          </a:prstGeom>
+        </p:spPr>
+      </p:pic>
+      <p:pic>
+        <p:nvPicPr>
+          <p:cNvPr id="7" name="图片 6">
+            <a:extLst>
+              <a:ext uri="{FF2B5EF4-FFF2-40B4-BE49-F238E27FC236}">
+                <a16:creationId xmlns:a16="http://schemas.microsoft.com/office/drawing/2014/main" id="{7316B5BA-5B2D-47FE-9A9C-F78CF5F71E6B}"/>
+              </a:ext>
+            </a:extLst>
+          </p:cNvPr>
+          <p:cNvPicPr>
+            <a:picLocks noChangeAspect="1"/>
+          </p:cNvPicPr>
+          <p:nvPr/>
+        </p:nvPicPr>
+        <p:blipFill>
+          <a:blip r:embed="rId3"/>
+          <a:stretch>
+            <a:fillRect/>
+          </a:stretch>
+        </p:blipFill>
+        <p:spPr>
+          <a:xfrm>
+            <a:off x="7523151" y="2617289"/>
+            <a:ext cx="4210126" cy="3683391"/>
           </a:xfrm>
           <a:prstGeom prst="rect">
             <a:avLst/>
@@ -5109,7 +5165,7 @@
           <p:cNvPr id="2" name="标题 1">
             <a:extLst>
               <a:ext uri="{FF2B5EF4-FFF2-40B4-BE49-F238E27FC236}">
-                <a16:creationId xmlns:a16="http://schemas.microsoft.com/office/drawing/2014/main" id="{544A0942-3457-4F5A-A873-0DADC11BF2FD}"/>
+                <a16:creationId xmlns:a16="http://schemas.microsoft.com/office/drawing/2014/main" id="{BA52FF1A-FE1C-4DEF-97F2-33EA1ABE3A24}"/>
               </a:ext>
             </a:extLst>
           </p:cNvPr>
@@ -5120,12 +5176,19 @@
             <p:ph type="title"/>
           </p:nvPr>
         </p:nvSpPr>
-        <p:spPr/>
-        <p:txBody>
-          <a:bodyPr/>
-          <a:lstStyle/>
-          <a:p>
-            <a:endParaRPr lang="zh-CN" altLang="en-US"/>
+        <p:spPr>
+          <a:xfrm>
+            <a:off x="838200" y="365125"/>
+            <a:ext cx="10515600" cy="61003"/>
+          </a:xfrm>
+        </p:spPr>
+        <p:txBody>
+          <a:bodyPr>
+            <a:normAutofit fontScale="90000"/>
+          </a:bodyPr>
+          <a:lstStyle/>
+          <a:p>
+            <a:endParaRPr lang="zh-CN" altLang="en-US" dirty="0"/>
           </a:p>
         </p:txBody>
       </p:sp>
@@ -5134,7 +5197,7 @@
           <p:cNvPr id="3" name="内容占位符 2">
             <a:extLst>
               <a:ext uri="{FF2B5EF4-FFF2-40B4-BE49-F238E27FC236}">
-                <a16:creationId xmlns:a16="http://schemas.microsoft.com/office/drawing/2014/main" id="{9DF19941-8344-46BA-991E-2E454E3A49B9}"/>
+                <a16:creationId xmlns:a16="http://schemas.microsoft.com/office/drawing/2014/main" id="{542AB6EF-7C9A-4AFE-B35B-C851F3E3AA2E}"/>
               </a:ext>
             </a:extLst>
           </p:cNvPr>
@@ -5145,21 +5208,39 @@
             <p:ph idx="1"/>
           </p:nvPr>
         </p:nvSpPr>
-        <p:spPr/>
-        <p:txBody>
-          <a:bodyPr/>
-          <a:lstStyle/>
-          <a:p>
-            <a:endParaRPr lang="zh-CN" altLang="en-US" dirty="0"/>
+        <p:spPr>
+          <a:xfrm>
+            <a:off x="838200" y="523783"/>
+            <a:ext cx="10515600" cy="5653180"/>
+          </a:xfrm>
+        </p:spPr>
+        <p:txBody>
+          <a:bodyPr>
+            <a:normAutofit/>
+          </a:bodyPr>
+          <a:lstStyle/>
+          <a:p>
+            <a:r>
+              <a:rPr lang="zh-CN" altLang="en-US" sz="1600" dirty="0"/>
+              <a:t>最小生成树</a:t>
+            </a:r>
+            <a:r>
+              <a:rPr lang="en-US" altLang="zh-CN" sz="1600" dirty="0"/>
+              <a:t>+</a:t>
+            </a:r>
+            <a:r>
+              <a:rPr lang="zh-CN" altLang="en-US" sz="1600" dirty="0"/>
+              <a:t>并查集：结合两种方法的优势，先求出最小生成树，然后在求解环边的过程中通过路径压缩降低递归深度</a:t>
+            </a:r>
           </a:p>
         </p:txBody>
       </p:sp>
       <p:pic>
         <p:nvPicPr>
-          <p:cNvPr id="5" name="图片 4">
-            <a:extLst>
-              <a:ext uri="{FF2B5EF4-FFF2-40B4-BE49-F238E27FC236}">
-                <a16:creationId xmlns:a16="http://schemas.microsoft.com/office/drawing/2014/main" id="{5E66C1D5-C710-47FD-A1EC-B5DB2AF1D900}"/>
+          <p:cNvPr id="4" name="图片 3">
+            <a:extLst>
+              <a:ext uri="{FF2B5EF4-FFF2-40B4-BE49-F238E27FC236}">
+                <a16:creationId xmlns:a16="http://schemas.microsoft.com/office/drawing/2014/main" id="{E54CAD6C-143B-4C2A-8D9F-3686A6F7E8C4}"/>
               </a:ext>
             </a:extLst>
           </p:cNvPr>
@@ -5169,15 +5250,21 @@
           <p:nvPr/>
         </p:nvPicPr>
         <p:blipFill>
-          <a:blip r:embed="rId2"/>
+          <a:blip r:embed="rId2">
+            <a:extLst>
+              <a:ext uri="{28A0092B-C50C-407E-A947-70E740481C1C}">
+                <a14:useLocalDpi xmlns:a14="http://schemas.microsoft.com/office/drawing/2010/main" val="0"/>
+              </a:ext>
+            </a:extLst>
+          </a:blip>
           <a:stretch>
             <a:fillRect/>
           </a:stretch>
         </p:blipFill>
         <p:spPr>
           <a:xfrm>
-            <a:off x="2223117" y="520470"/>
-            <a:ext cx="7187214" cy="5656493"/>
+            <a:off x="449802" y="1735584"/>
+            <a:ext cx="10990556" cy="3740043"/>
           </a:xfrm>
           <a:prstGeom prst="rect">
             <a:avLst/>
@@ -5187,7 +5274,7 @@
     </p:spTree>
     <p:extLst>
       <p:ext uri="{BB962C8B-B14F-4D97-AF65-F5344CB8AC3E}">
-        <p14:creationId xmlns:p14="http://schemas.microsoft.com/office/powerpoint/2010/main" val="3210785624"/>
+        <p14:creationId xmlns:p14="http://schemas.microsoft.com/office/powerpoint/2010/main" val="3037576983"/>
       </p:ext>
     </p:extLst>
   </p:cSld>
@@ -5284,7 +5371,7 @@
           <a:p>
             <a:r>
               <a:rPr lang="zh-CN" altLang="en-US" sz="1600" dirty="0"/>
-              <a:t>通过路径压缩，搜索深度可以压缩至</a:t>
+              <a:t>通过路径压缩，理论上搜索深度可以压缩至</a:t>
             </a:r>
             <a:r>
               <a:rPr lang="en-US" altLang="zh-CN" sz="1600" dirty="0"/>
